--- a/presentation/16.11_presentation.pptx
+++ b/presentation/16.11_presentation.pptx
@@ -6,13 +6,16 @@
   </p:sldMasterIdLst>
   <p:sldIdLst>
     <p:sldId id="256" r:id="rId2"/>
-    <p:sldId id="257" r:id="rId3"/>
-    <p:sldId id="258" r:id="rId4"/>
-    <p:sldId id="259" r:id="rId5"/>
-    <p:sldId id="260" r:id="rId6"/>
-    <p:sldId id="261" r:id="rId7"/>
-    <p:sldId id="262" r:id="rId8"/>
-    <p:sldId id="263" r:id="rId9"/>
+    <p:sldId id="258" r:id="rId3"/>
+    <p:sldId id="259" r:id="rId4"/>
+    <p:sldId id="260" r:id="rId5"/>
+    <p:sldId id="261" r:id="rId6"/>
+    <p:sldId id="262" r:id="rId7"/>
+    <p:sldId id="263" r:id="rId8"/>
+    <p:sldId id="264" r:id="rId9"/>
+    <p:sldId id="265" r:id="rId10"/>
+    <p:sldId id="266" r:id="rId11"/>
+    <p:sldId id="267" r:id="rId12"/>
   </p:sldIdLst>
   <p:sldSz cx="12192000" cy="6858000"/>
   <p:notesSz cx="6858000" cy="9144000"/>
@@ -111,6 +114,11 @@
       </a:defRPr>
     </a:lvl9pPr>
   </p:defaultTextStyle>
+  <p:extLst>
+    <p:ext uri="{EFAFB233-063F-42B5-8137-9DF3F51BA10A}">
+      <p15:sldGuideLst xmlns:p15="http://schemas.microsoft.com/office/powerpoint/2012/main"/>
+    </p:ext>
+  </p:extLst>
 </p:presentation>
 </file>
 
@@ -836,7 +844,7 @@
           <a:p>
             <a:fld id="{DC15A5AF-9C8A-4EEF-953D-B5AA4F7F8AC7}" type="datetimeFigureOut">
               <a:rPr lang="cs-CZ" smtClean="0"/>
-              <a:t>13.11.2020</a:t>
+              <a:t>14.11.2020</a:t>
             </a:fld>
             <a:endParaRPr lang="cs-CZ"/>
           </a:p>
@@ -1087,7 +1095,7 @@
           <a:p>
             <a:fld id="{DC15A5AF-9C8A-4EEF-953D-B5AA4F7F8AC7}" type="datetimeFigureOut">
               <a:rPr lang="cs-CZ" smtClean="0"/>
-              <a:t>13.11.2020</a:t>
+              <a:t>14.11.2020</a:t>
             </a:fld>
             <a:endParaRPr lang="cs-CZ"/>
           </a:p>
@@ -1401,7 +1409,7 @@
           <a:p>
             <a:fld id="{DC15A5AF-9C8A-4EEF-953D-B5AA4F7F8AC7}" type="datetimeFigureOut">
               <a:rPr lang="cs-CZ" smtClean="0"/>
-              <a:t>13.11.2020</a:t>
+              <a:t>14.11.2020</a:t>
             </a:fld>
             <a:endParaRPr lang="cs-CZ"/>
           </a:p>
@@ -1742,7 +1750,7 @@
           <a:p>
             <a:fld id="{DC15A5AF-9C8A-4EEF-953D-B5AA4F7F8AC7}" type="datetimeFigureOut">
               <a:rPr lang="cs-CZ" smtClean="0"/>
-              <a:t>13.11.2020</a:t>
+              <a:t>14.11.2020</a:t>
             </a:fld>
             <a:endParaRPr lang="cs-CZ"/>
           </a:p>
@@ -2056,7 +2064,7 @@
           <a:p>
             <a:fld id="{DC15A5AF-9C8A-4EEF-953D-B5AA4F7F8AC7}" type="datetimeFigureOut">
               <a:rPr lang="cs-CZ" smtClean="0"/>
-              <a:t>13.11.2020</a:t>
+              <a:t>14.11.2020</a:t>
             </a:fld>
             <a:endParaRPr lang="cs-CZ"/>
           </a:p>
@@ -2449,7 +2457,7 @@
           <a:p>
             <a:fld id="{DC15A5AF-9C8A-4EEF-953D-B5AA4F7F8AC7}" type="datetimeFigureOut">
               <a:rPr lang="cs-CZ" smtClean="0"/>
-              <a:t>13.11.2020</a:t>
+              <a:t>14.11.2020</a:t>
             </a:fld>
             <a:endParaRPr lang="cs-CZ"/>
           </a:p>
@@ -2619,7 +2627,7 @@
           <a:p>
             <a:fld id="{DC15A5AF-9C8A-4EEF-953D-B5AA4F7F8AC7}" type="datetimeFigureOut">
               <a:rPr lang="cs-CZ" smtClean="0"/>
-              <a:t>13.11.2020</a:t>
+              <a:t>14.11.2020</a:t>
             </a:fld>
             <a:endParaRPr lang="cs-CZ"/>
           </a:p>
@@ -2799,7 +2807,7 @@
           <a:p>
             <a:fld id="{DC15A5AF-9C8A-4EEF-953D-B5AA4F7F8AC7}" type="datetimeFigureOut">
               <a:rPr lang="cs-CZ" smtClean="0"/>
-              <a:t>13.11.2020</a:t>
+              <a:t>14.11.2020</a:t>
             </a:fld>
             <a:endParaRPr lang="cs-CZ"/>
           </a:p>
@@ -2975,7 +2983,7 @@
           <a:p>
             <a:fld id="{DC15A5AF-9C8A-4EEF-953D-B5AA4F7F8AC7}" type="datetimeFigureOut">
               <a:rPr lang="cs-CZ" smtClean="0"/>
-              <a:t>13.11.2020</a:t>
+              <a:t>14.11.2020</a:t>
             </a:fld>
             <a:endParaRPr lang="cs-CZ"/>
           </a:p>
@@ -3222,7 +3230,7 @@
           <a:p>
             <a:fld id="{DC15A5AF-9C8A-4EEF-953D-B5AA4F7F8AC7}" type="datetimeFigureOut">
               <a:rPr lang="cs-CZ" smtClean="0"/>
-              <a:t>13.11.2020</a:t>
+              <a:t>14.11.2020</a:t>
             </a:fld>
             <a:endParaRPr lang="cs-CZ"/>
           </a:p>
@@ -3454,7 +3462,7 @@
           <a:p>
             <a:fld id="{DC15A5AF-9C8A-4EEF-953D-B5AA4F7F8AC7}" type="datetimeFigureOut">
               <a:rPr lang="cs-CZ" smtClean="0"/>
-              <a:t>13.11.2020</a:t>
+              <a:t>14.11.2020</a:t>
             </a:fld>
             <a:endParaRPr lang="cs-CZ"/>
           </a:p>
@@ -3828,7 +3836,7 @@
           <a:p>
             <a:fld id="{DC15A5AF-9C8A-4EEF-953D-B5AA4F7F8AC7}" type="datetimeFigureOut">
               <a:rPr lang="cs-CZ" smtClean="0"/>
-              <a:t>13.11.2020</a:t>
+              <a:t>14.11.2020</a:t>
             </a:fld>
             <a:endParaRPr lang="cs-CZ"/>
           </a:p>
@@ -3951,7 +3959,7 @@
           <a:p>
             <a:fld id="{DC15A5AF-9C8A-4EEF-953D-B5AA4F7F8AC7}" type="datetimeFigureOut">
               <a:rPr lang="cs-CZ" smtClean="0"/>
-              <a:t>13.11.2020</a:t>
+              <a:t>14.11.2020</a:t>
             </a:fld>
             <a:endParaRPr lang="cs-CZ"/>
           </a:p>
@@ -4046,7 +4054,7 @@
           <a:p>
             <a:fld id="{DC15A5AF-9C8A-4EEF-953D-B5AA4F7F8AC7}" type="datetimeFigureOut">
               <a:rPr lang="cs-CZ" smtClean="0"/>
-              <a:t>13.11.2020</a:t>
+              <a:t>14.11.2020</a:t>
             </a:fld>
             <a:endParaRPr lang="cs-CZ"/>
           </a:p>
@@ -4301,7 +4309,7 @@
           <a:p>
             <a:fld id="{DC15A5AF-9C8A-4EEF-953D-B5AA4F7F8AC7}" type="datetimeFigureOut">
               <a:rPr lang="cs-CZ" smtClean="0"/>
-              <a:t>13.11.2020</a:t>
+              <a:t>14.11.2020</a:t>
             </a:fld>
             <a:endParaRPr lang="cs-CZ"/>
           </a:p>
@@ -4564,7 +4572,7 @@
           <a:p>
             <a:fld id="{DC15A5AF-9C8A-4EEF-953D-B5AA4F7F8AC7}" type="datetimeFigureOut">
               <a:rPr lang="cs-CZ" smtClean="0"/>
-              <a:t>13.11.2020</a:t>
+              <a:t>14.11.2020</a:t>
             </a:fld>
             <a:endParaRPr lang="cs-CZ"/>
           </a:p>
@@ -5307,7 +5315,7 @@
           <a:p>
             <a:fld id="{DC15A5AF-9C8A-4EEF-953D-B5AA4F7F8AC7}" type="datetimeFigureOut">
               <a:rPr lang="cs-CZ" smtClean="0"/>
-              <a:t>13.11.2020</a:t>
+              <a:t>14.11.2020</a:t>
             </a:fld>
             <a:endParaRPr lang="cs-CZ"/>
           </a:p>
@@ -5925,6 +5933,214 @@
 </p:sld>
 </file>
 
+<file path=ppt/slides/slide10.xml><?xml version="1.0" encoding="utf-8"?>
+<p:sld xmlns:a="http://schemas.openxmlformats.org/drawingml/2006/main" xmlns:r="http://schemas.openxmlformats.org/officeDocument/2006/relationships" xmlns:p="http://schemas.openxmlformats.org/presentationml/2006/main">
+  <p:cSld>
+    <p:spTree>
+      <p:nvGrpSpPr>
+        <p:cNvPr id="1" name=""/>
+        <p:cNvGrpSpPr/>
+        <p:nvPr/>
+      </p:nvGrpSpPr>
+      <p:grpSpPr>
+        <a:xfrm>
+          <a:off x="0" y="0"/>
+          <a:ext cx="0" cy="0"/>
+          <a:chOff x="0" y="0"/>
+          <a:chExt cx="0" cy="0"/>
+        </a:xfrm>
+      </p:grpSpPr>
+      <p:sp>
+        <p:nvSpPr>
+          <p:cNvPr id="2" name="Nadpis 1">
+            <a:extLst>
+              <a:ext uri="{FF2B5EF4-FFF2-40B4-BE49-F238E27FC236}">
+                <a16:creationId xmlns:a16="http://schemas.microsoft.com/office/drawing/2014/main" id="{BB0C387F-E4F0-4E38-A27A-D2F9A356E993}"/>
+              </a:ext>
+            </a:extLst>
+          </p:cNvPr>
+          <p:cNvSpPr>
+            <a:spLocks noGrp="1"/>
+          </p:cNvSpPr>
+          <p:nvPr>
+            <p:ph type="title"/>
+          </p:nvPr>
+        </p:nvSpPr>
+        <p:spPr/>
+        <p:txBody>
+          <a:bodyPr/>
+          <a:lstStyle/>
+          <a:p>
+            <a:r>
+              <a:rPr lang="cs-CZ" dirty="0" err="1"/>
+              <a:t>Pet</a:t>
+            </a:r>
+            <a:r>
+              <a:rPr lang="cs-CZ" dirty="0"/>
+              <a:t> food </a:t>
+            </a:r>
+            <a:r>
+              <a:rPr lang="cs-CZ" dirty="0" err="1"/>
+              <a:t>mixture</a:t>
+            </a:r>
+            <a:r>
+              <a:rPr lang="cs-CZ" dirty="0"/>
+              <a:t> </a:t>
+            </a:r>
+            <a:r>
+              <a:rPr lang="cs-CZ" dirty="0" err="1"/>
+              <a:t>production</a:t>
+            </a:r>
+            <a:endParaRPr lang="cs-CZ" dirty="0"/>
+          </a:p>
+        </p:txBody>
+      </p:sp>
+      <p:sp>
+        <p:nvSpPr>
+          <p:cNvPr id="3" name="Zástupný obsah 2">
+            <a:extLst>
+              <a:ext uri="{FF2B5EF4-FFF2-40B4-BE49-F238E27FC236}">
+                <a16:creationId xmlns:a16="http://schemas.microsoft.com/office/drawing/2014/main" id="{922CEC8E-D10E-4851-AC53-8BC9CF20EE14}"/>
+              </a:ext>
+            </a:extLst>
+          </p:cNvPr>
+          <p:cNvSpPr>
+            <a:spLocks noGrp="1"/>
+          </p:cNvSpPr>
+          <p:nvPr>
+            <p:ph idx="1"/>
+          </p:nvPr>
+        </p:nvSpPr>
+        <p:spPr/>
+        <p:txBody>
+          <a:bodyPr/>
+          <a:lstStyle/>
+          <a:p>
+            <a:r>
+              <a:rPr lang="cs-CZ" dirty="0" err="1">
+                <a:hlinkClick r:id="rId2" action="ppaction://hlinkfile"/>
+              </a:rPr>
+              <a:t>Process</a:t>
+            </a:r>
+            <a:r>
+              <a:rPr lang="cs-CZ" dirty="0">
+                <a:hlinkClick r:id="rId2" action="ppaction://hlinkfile"/>
+              </a:rPr>
+              <a:t> - Step level</a:t>
+            </a:r>
+            <a:endParaRPr lang="cs-CZ" dirty="0"/>
+          </a:p>
+        </p:txBody>
+      </p:sp>
+    </p:spTree>
+    <p:extLst>
+      <p:ext uri="{BB962C8B-B14F-4D97-AF65-F5344CB8AC3E}">
+        <p14:creationId xmlns:p14="http://schemas.microsoft.com/office/powerpoint/2010/main" val="568457395"/>
+      </p:ext>
+    </p:extLst>
+  </p:cSld>
+  <p:clrMapOvr>
+    <a:masterClrMapping/>
+  </p:clrMapOvr>
+</p:sld>
+</file>
+
+<file path=ppt/slides/slide11.xml><?xml version="1.0" encoding="utf-8"?>
+<p:sld xmlns:a="http://schemas.openxmlformats.org/drawingml/2006/main" xmlns:r="http://schemas.openxmlformats.org/officeDocument/2006/relationships" xmlns:p="http://schemas.openxmlformats.org/presentationml/2006/main">
+  <p:cSld>
+    <p:spTree>
+      <p:nvGrpSpPr>
+        <p:cNvPr id="1" name=""/>
+        <p:cNvGrpSpPr/>
+        <p:nvPr/>
+      </p:nvGrpSpPr>
+      <p:grpSpPr>
+        <a:xfrm>
+          <a:off x="0" y="0"/>
+          <a:ext cx="0" cy="0"/>
+          <a:chOff x="0" y="0"/>
+          <a:chExt cx="0" cy="0"/>
+        </a:xfrm>
+      </p:grpSpPr>
+      <p:sp>
+        <p:nvSpPr>
+          <p:cNvPr id="2" name="Nadpis 1">
+            <a:extLst>
+              <a:ext uri="{FF2B5EF4-FFF2-40B4-BE49-F238E27FC236}">
+                <a16:creationId xmlns:a16="http://schemas.microsoft.com/office/drawing/2014/main" id="{F30722C9-4A7B-4FA5-B845-702D3C8F6E29}"/>
+              </a:ext>
+            </a:extLst>
+          </p:cNvPr>
+          <p:cNvSpPr>
+            <a:spLocks noGrp="1"/>
+          </p:cNvSpPr>
+          <p:nvPr>
+            <p:ph type="title"/>
+          </p:nvPr>
+        </p:nvSpPr>
+        <p:spPr/>
+        <p:txBody>
+          <a:bodyPr/>
+          <a:lstStyle/>
+          <a:p>
+            <a:r>
+              <a:rPr lang="cs-CZ" dirty="0" err="1"/>
+              <a:t>Packaging</a:t>
+            </a:r>
+            <a:endParaRPr lang="cs-CZ" dirty="0"/>
+          </a:p>
+        </p:txBody>
+      </p:sp>
+      <p:sp>
+        <p:nvSpPr>
+          <p:cNvPr id="3" name="Zástupný obsah 2">
+            <a:extLst>
+              <a:ext uri="{FF2B5EF4-FFF2-40B4-BE49-F238E27FC236}">
+                <a16:creationId xmlns:a16="http://schemas.microsoft.com/office/drawing/2014/main" id="{004452A1-4F39-4E94-935E-FDCC8C199C00}"/>
+              </a:ext>
+            </a:extLst>
+          </p:cNvPr>
+          <p:cNvSpPr>
+            <a:spLocks noGrp="1"/>
+          </p:cNvSpPr>
+          <p:nvPr>
+            <p:ph idx="1"/>
+          </p:nvPr>
+        </p:nvSpPr>
+        <p:spPr/>
+        <p:txBody>
+          <a:bodyPr/>
+          <a:lstStyle/>
+          <a:p>
+            <a:r>
+              <a:rPr lang="cs-CZ" dirty="0" err="1">
+                <a:hlinkClick r:id="rId2" action="ppaction://hlinkfile"/>
+              </a:rPr>
+              <a:t>Process</a:t>
+            </a:r>
+            <a:r>
+              <a:rPr lang="cs-CZ" dirty="0">
+                <a:hlinkClick r:id="rId2" action="ppaction://hlinkfile"/>
+              </a:rPr>
+              <a:t> - Step level</a:t>
+            </a:r>
+            <a:endParaRPr lang="cs-CZ" dirty="0"/>
+          </a:p>
+        </p:txBody>
+      </p:sp>
+    </p:spTree>
+    <p:extLst>
+      <p:ext uri="{BB962C8B-B14F-4D97-AF65-F5344CB8AC3E}">
+        <p14:creationId xmlns:p14="http://schemas.microsoft.com/office/powerpoint/2010/main" val="2338783665"/>
+      </p:ext>
+    </p:extLst>
+  </p:cSld>
+  <p:clrMapOvr>
+    <a:masterClrMapping/>
+  </p:clrMapOvr>
+</p:sld>
+</file>
+
 <file path=ppt/slides/slide2.xml><?xml version="1.0" encoding="utf-8"?>
 <p:sld xmlns:a="http://schemas.openxmlformats.org/drawingml/2006/main" xmlns:r="http://schemas.openxmlformats.org/officeDocument/2006/relationships" xmlns:p="http://schemas.openxmlformats.org/presentationml/2006/main">
   <p:cSld>
@@ -5947,7 +6163,7 @@
           <p:cNvPr id="2" name="Nadpis 1">
             <a:extLst>
               <a:ext uri="{FF2B5EF4-FFF2-40B4-BE49-F238E27FC236}">
-                <a16:creationId xmlns:a16="http://schemas.microsoft.com/office/drawing/2014/main" id="{AC905DAF-F675-4B83-B40F-4C3B38C1AFDD}"/>
+                <a16:creationId xmlns:a16="http://schemas.microsoft.com/office/drawing/2014/main" id="{DB0DA51C-ECAE-485B-B6C6-464D3CE438A4}"/>
               </a:ext>
             </a:extLst>
           </p:cNvPr>
@@ -5958,14 +6174,48 @@
             <p:ph type="title"/>
           </p:nvPr>
         </p:nvSpPr>
-        <p:spPr>
-          <a:xfrm>
-            <a:off x="677334" y="609600"/>
-            <a:ext cx="8596668" cy="834189"/>
-          </a:xfrm>
-        </p:spPr>
+        <p:spPr/>
         <p:txBody>
           <a:bodyPr/>
+          <a:lstStyle/>
+          <a:p>
+            <a:r>
+              <a:rPr lang="cs-CZ" dirty="0" err="1"/>
+              <a:t>Primary</a:t>
+            </a:r>
+            <a:r>
+              <a:rPr lang="cs-CZ" dirty="0"/>
+              <a:t> </a:t>
+            </a:r>
+            <a:r>
+              <a:rPr lang="cs-CZ" dirty="0" err="1"/>
+              <a:t>function</a:t>
+            </a:r>
+            <a:endParaRPr lang="cs-CZ" dirty="0"/>
+          </a:p>
+        </p:txBody>
+      </p:sp>
+      <p:sp>
+        <p:nvSpPr>
+          <p:cNvPr id="3" name="Zástupný obsah 2">
+            <a:extLst>
+              <a:ext uri="{FF2B5EF4-FFF2-40B4-BE49-F238E27FC236}">
+                <a16:creationId xmlns:a16="http://schemas.microsoft.com/office/drawing/2014/main" id="{E851686F-7D29-4D49-BBCB-0BB5FF2A5098}"/>
+              </a:ext>
+            </a:extLst>
+          </p:cNvPr>
+          <p:cNvSpPr>
+            <a:spLocks noGrp="1"/>
+          </p:cNvSpPr>
+          <p:nvPr>
+            <p:ph idx="1"/>
+          </p:nvPr>
+        </p:nvSpPr>
+        <p:spPr/>
+        <p:txBody>
+          <a:bodyPr>
+            <a:normAutofit/>
+          </a:bodyPr>
           <a:lstStyle/>
           <a:p>
             <a:r>
@@ -5979,6 +6229,69 @@
             <a:r>
               <a:rPr lang="cs-CZ" dirty="0" err="1"/>
               <a:t>product</a:t>
+            </a:r>
+            <a:r>
+              <a:rPr lang="cs-CZ" dirty="0"/>
+              <a:t> - </a:t>
+            </a:r>
+            <a:r>
+              <a:rPr lang="cs-CZ" dirty="0" err="1"/>
+              <a:t>Pet</a:t>
+            </a:r>
+            <a:r>
+              <a:rPr lang="cs-CZ" dirty="0"/>
+              <a:t> food </a:t>
+            </a:r>
+            <a:r>
+              <a:rPr lang="cs-CZ" dirty="0" err="1"/>
+              <a:t>for</a:t>
+            </a:r>
+            <a:r>
+              <a:rPr lang="cs-CZ" dirty="0"/>
+              <a:t> </a:t>
+            </a:r>
+            <a:r>
+              <a:rPr lang="cs-CZ" dirty="0" err="1"/>
+              <a:t>rodents</a:t>
+            </a:r>
+            <a:endParaRPr lang="cs-CZ" dirty="0"/>
+          </a:p>
+          <a:p>
+            <a:endParaRPr lang="cs-CZ" dirty="0"/>
+          </a:p>
+          <a:p>
+            <a:endParaRPr lang="cs-CZ" dirty="0"/>
+          </a:p>
+          <a:p>
+            <a:r>
+              <a:rPr lang="en-US" dirty="0"/>
+              <a:t>Pre-made specialized products (for pet stores, supermarkets) based on:</a:t>
+            </a:r>
+            <a:endParaRPr lang="cs-CZ" dirty="0"/>
+          </a:p>
+          <a:p>
+            <a:pPr lvl="1"/>
+            <a:r>
+              <a:rPr lang="cs-CZ" dirty="0" err="1"/>
+              <a:t>Health</a:t>
+            </a:r>
+            <a:r>
+              <a:rPr lang="cs-CZ" dirty="0"/>
+              <a:t> status</a:t>
+            </a:r>
+          </a:p>
+          <a:p>
+            <a:pPr lvl="1"/>
+            <a:r>
+              <a:rPr lang="cs-CZ" dirty="0"/>
+              <a:t>Age</a:t>
+            </a:r>
+          </a:p>
+          <a:p>
+            <a:pPr lvl="1"/>
+            <a:r>
+              <a:rPr lang="cs-CZ" dirty="0" err="1"/>
+              <a:t>Breed</a:t>
             </a:r>
             <a:endParaRPr lang="cs-CZ" dirty="0"/>
           </a:p>
@@ -5987,7 +6300,7 @@
     </p:spTree>
     <p:extLst>
       <p:ext uri="{BB962C8B-B14F-4D97-AF65-F5344CB8AC3E}">
-        <p14:creationId xmlns:p14="http://schemas.microsoft.com/office/powerpoint/2010/main" val="4097463529"/>
+        <p14:creationId xmlns:p14="http://schemas.microsoft.com/office/powerpoint/2010/main" val="1510639796"/>
       </p:ext>
     </p:extLst>
   </p:cSld>
@@ -6019,7 +6332,7 @@
           <p:cNvPr id="2" name="Nadpis 1">
             <a:extLst>
               <a:ext uri="{FF2B5EF4-FFF2-40B4-BE49-F238E27FC236}">
-                <a16:creationId xmlns:a16="http://schemas.microsoft.com/office/drawing/2014/main" id="{DB0DA51C-ECAE-485B-B6C6-464D3CE438A4}"/>
+                <a16:creationId xmlns:a16="http://schemas.microsoft.com/office/drawing/2014/main" id="{E2B4F615-3882-446B-9D48-D9C3F3742E8D}"/>
               </a:ext>
             </a:extLst>
           </p:cNvPr>
@@ -6037,15 +6350,7 @@
           <a:p>
             <a:r>
               <a:rPr lang="cs-CZ" dirty="0" err="1"/>
-              <a:t>Primary</a:t>
-            </a:r>
-            <a:r>
-              <a:rPr lang="cs-CZ" dirty="0"/>
-              <a:t> </a:t>
-            </a:r>
-            <a:r>
-              <a:rPr lang="cs-CZ" dirty="0" err="1"/>
-              <a:t>function</a:t>
+              <a:t>Processes</a:t>
             </a:r>
             <a:endParaRPr lang="cs-CZ" dirty="0"/>
           </a:p>
@@ -6056,7 +6361,7 @@
           <p:cNvPr id="3" name="Zástupný obsah 2">
             <a:extLst>
               <a:ext uri="{FF2B5EF4-FFF2-40B4-BE49-F238E27FC236}">
-                <a16:creationId xmlns:a16="http://schemas.microsoft.com/office/drawing/2014/main" id="{E851686F-7D29-4D49-BBCB-0BB5FF2A5098}"/>
+                <a16:creationId xmlns:a16="http://schemas.microsoft.com/office/drawing/2014/main" id="{9D474B92-F158-476E-A471-71E6E15B0F29}"/>
               </a:ext>
             </a:extLst>
           </p:cNvPr>
@@ -6069,123 +6374,124 @@
         </p:nvSpPr>
         <p:spPr/>
         <p:txBody>
-          <a:bodyPr/>
-          <a:lstStyle/>
-          <a:p>
+          <a:bodyPr>
+            <a:normAutofit/>
+          </a:bodyPr>
+          <a:lstStyle/>
+          <a:p>
+            <a:r>
+              <a:rPr lang="cs-CZ" b="1" dirty="0" err="1"/>
+              <a:t>Key</a:t>
+            </a:r>
+            <a:endParaRPr lang="cs-CZ" dirty="0"/>
+          </a:p>
+          <a:p>
+            <a:pPr lvl="1"/>
             <a:r>
               <a:rPr lang="cs-CZ" dirty="0" err="1"/>
-              <a:t>Core</a:t>
+              <a:t>Pet</a:t>
+            </a:r>
+            <a:r>
+              <a:rPr lang="cs-CZ" dirty="0"/>
+              <a:t> food </a:t>
+            </a:r>
+            <a:r>
+              <a:rPr lang="cs-CZ" dirty="0" err="1"/>
+              <a:t>sale</a:t>
             </a:r>
             <a:r>
               <a:rPr lang="cs-CZ" dirty="0"/>
               <a:t> </a:t>
             </a:r>
-            <a:r>
-              <a:rPr lang="cs-CZ" dirty="0" err="1"/>
-              <a:t>product</a:t>
+          </a:p>
+          <a:p>
+            <a:pPr marL="457200" lvl="1" indent="0">
+              <a:buNone/>
+            </a:pPr>
+            <a:endParaRPr lang="cs-CZ" dirty="0"/>
+          </a:p>
+          <a:p>
+            <a:r>
+              <a:rPr lang="cs-CZ" b="1" dirty="0" err="1"/>
+              <a:t>Supporting</a:t>
+            </a:r>
+            <a:endParaRPr lang="cs-CZ" b="1" dirty="0"/>
+          </a:p>
+          <a:p>
+            <a:pPr lvl="1"/>
+            <a:r>
+              <a:rPr lang="en-US" dirty="0"/>
+              <a:t>Pet food mixture production</a:t>
             </a:r>
             <a:r>
               <a:rPr lang="cs-CZ" dirty="0"/>
-              <a:t> - </a:t>
-            </a:r>
-            <a:r>
-              <a:rPr lang="cs-CZ" dirty="0" err="1"/>
-              <a:t>Pet</a:t>
+              <a:t>, </a:t>
+            </a:r>
+            <a:r>
+              <a:rPr lang="en-US" dirty="0"/>
+              <a:t>Packaging</a:t>
             </a:r>
             <a:r>
               <a:rPr lang="cs-CZ" dirty="0"/>
-              <a:t> food </a:t>
-            </a:r>
-            <a:r>
-              <a:rPr lang="cs-CZ" dirty="0" err="1"/>
-              <a:t>for</a:t>
+              <a:t>, </a:t>
+            </a:r>
+            <a:r>
+              <a:rPr lang="en-US" dirty="0"/>
+              <a:t>Supply management</a:t>
+            </a:r>
+            <a:r>
+              <a:rPr lang="cs-CZ" dirty="0"/>
+              <a:t>, </a:t>
+            </a:r>
+            <a:r>
+              <a:rPr lang="en-US" dirty="0"/>
+              <a:t>Warranty process</a:t>
+            </a:r>
+            <a:endParaRPr lang="cs-CZ" dirty="0"/>
+          </a:p>
+          <a:p>
+            <a:pPr lvl="1"/>
+            <a:endParaRPr lang="cs-CZ" dirty="0"/>
+          </a:p>
+          <a:p>
+            <a:r>
+              <a:rPr lang="cs-CZ" b="1" dirty="0" err="1"/>
+              <a:t>Outsourced</a:t>
             </a:r>
             <a:r>
               <a:rPr lang="cs-CZ" dirty="0"/>
               <a:t> </a:t>
             </a:r>
-            <a:r>
-              <a:rPr lang="cs-CZ" dirty="0" err="1"/>
-              <a:t>rodents</a:t>
-            </a:r>
-            <a:endParaRPr lang="cs-CZ" dirty="0"/>
-          </a:p>
-          <a:p>
+          </a:p>
+          <a:p>
+            <a:pPr lvl="1"/>
             <a:r>
               <a:rPr lang="en-US" dirty="0"/>
-              <a:t>Pre-made specialized products (for pet stores, supermarkets) based on:</a:t>
-            </a:r>
-            <a:endParaRPr lang="cs-CZ" dirty="0"/>
-          </a:p>
-          <a:p>
-            <a:pPr lvl="1"/>
-            <a:r>
-              <a:rPr lang="cs-CZ" dirty="0" err="1"/>
-              <a:t>Health</a:t>
+              <a:t>Delivery</a:t>
             </a:r>
             <a:r>
               <a:rPr lang="cs-CZ" dirty="0"/>
-              <a:t> status</a:t>
-            </a:r>
-          </a:p>
-          <a:p>
-            <a:pPr lvl="1"/>
+              <a:t>, </a:t>
+            </a:r>
+            <a:r>
+              <a:rPr lang="en-US" dirty="0"/>
+              <a:t>Marketing</a:t>
+            </a:r>
             <a:r>
               <a:rPr lang="cs-CZ" dirty="0"/>
-              <a:t>Age</a:t>
-            </a:r>
-          </a:p>
-          <a:p>
-            <a:pPr lvl="1"/>
-            <a:r>
-              <a:rPr lang="cs-CZ" dirty="0" err="1"/>
-              <a:t>Breed</a:t>
-            </a:r>
-            <a:endParaRPr lang="cs-CZ" dirty="0"/>
-          </a:p>
-          <a:p>
-            <a:r>
-              <a:rPr lang="cs-CZ" dirty="0" err="1"/>
-              <a:t>Key</a:t>
+              <a:t>, </a:t>
+            </a:r>
+            <a:r>
+              <a:rPr lang="en-US" dirty="0"/>
+              <a:t>Bookkeeping</a:t>
             </a:r>
             <a:r>
               <a:rPr lang="cs-CZ" dirty="0"/>
-              <a:t> </a:t>
-            </a:r>
-            <a:r>
-              <a:rPr lang="cs-CZ" dirty="0" err="1"/>
-              <a:t>processes</a:t>
-            </a:r>
-            <a:r>
-              <a:rPr lang="cs-CZ" dirty="0"/>
-              <a:t>:</a:t>
-            </a:r>
-          </a:p>
-          <a:p>
-            <a:pPr lvl="1"/>
-            <a:r>
-              <a:rPr lang="cs-CZ" dirty="0" err="1"/>
-              <a:t>Pet</a:t>
-            </a:r>
-            <a:r>
-              <a:rPr lang="cs-CZ" dirty="0"/>
-              <a:t> food </a:t>
-            </a:r>
-            <a:r>
-              <a:rPr lang="cs-CZ" dirty="0" err="1"/>
-              <a:t>sale</a:t>
-            </a:r>
-            <a:endParaRPr lang="cs-CZ" dirty="0"/>
-          </a:p>
-          <a:p>
-            <a:pPr indent="-285750"/>
-            <a:r>
-              <a:rPr lang="cs-CZ" dirty="0"/>
-              <a:t>Support </a:t>
-            </a:r>
-            <a:r>
-              <a:rPr lang="cs-CZ" dirty="0" err="1"/>
-              <a:t>pr</a:t>
+              <a:t>, </a:t>
+            </a:r>
+            <a:r>
+              <a:rPr lang="en-US" dirty="0"/>
+              <a:t>Maintenance </a:t>
             </a:r>
             <a:r>
               <a:rPr lang="cs-CZ" dirty="0"/>
@@ -6197,7 +6503,7 @@
     </p:spTree>
     <p:extLst>
       <p:ext uri="{BB962C8B-B14F-4D97-AF65-F5344CB8AC3E}">
-        <p14:creationId xmlns:p14="http://schemas.microsoft.com/office/powerpoint/2010/main" val="1510639796"/>
+        <p14:creationId xmlns:p14="http://schemas.microsoft.com/office/powerpoint/2010/main" val="2124948675"/>
       </p:ext>
     </p:extLst>
   </p:cSld>
@@ -6229,7 +6535,7 @@
           <p:cNvPr id="2" name="Nadpis 1">
             <a:extLst>
               <a:ext uri="{FF2B5EF4-FFF2-40B4-BE49-F238E27FC236}">
-                <a16:creationId xmlns:a16="http://schemas.microsoft.com/office/drawing/2014/main" id="{E2B4F615-3882-446B-9D48-D9C3F3742E8D}"/>
+                <a16:creationId xmlns:a16="http://schemas.microsoft.com/office/drawing/2014/main" id="{79720833-30B5-4A70-9CA4-0B6244503641}"/>
               </a:ext>
             </a:extLst>
           </p:cNvPr>
@@ -6247,7 +6553,7 @@
           <a:p>
             <a:r>
               <a:rPr lang="cs-CZ" dirty="0" err="1"/>
-              <a:t>Processes</a:t>
+              <a:t>Customers</a:t>
             </a:r>
             <a:endParaRPr lang="cs-CZ" dirty="0"/>
           </a:p>
@@ -6258,7 +6564,7 @@
           <p:cNvPr id="3" name="Zástupný obsah 2">
             <a:extLst>
               <a:ext uri="{FF2B5EF4-FFF2-40B4-BE49-F238E27FC236}">
-                <a16:creationId xmlns:a16="http://schemas.microsoft.com/office/drawing/2014/main" id="{9D474B92-F158-476E-A471-71E6E15B0F29}"/>
+                <a16:creationId xmlns:a16="http://schemas.microsoft.com/office/drawing/2014/main" id="{858AEFD8-7937-4801-AB7A-783A14C3C693}"/>
               </a:ext>
             </a:extLst>
           </p:cNvPr>
@@ -6271,158 +6577,74 @@
         </p:nvSpPr>
         <p:spPr/>
         <p:txBody>
-          <a:bodyPr>
-            <a:normAutofit/>
-          </a:bodyPr>
-          <a:lstStyle/>
-          <a:p>
-            <a:r>
-              <a:rPr lang="cs-CZ" b="1" dirty="0" err="1"/>
-              <a:t>Key</a:t>
+          <a:bodyPr/>
+          <a:lstStyle/>
+          <a:p>
+            <a:r>
+              <a:rPr lang="cs-CZ" b="1" dirty="0"/>
+              <a:t>B2C</a:t>
+            </a:r>
+          </a:p>
+          <a:p>
+            <a:pPr lvl="1"/>
+            <a:r>
+              <a:rPr lang="en-US" dirty="0"/>
+              <a:t>Breeders of rodents and smaller mammals (e-shop) </a:t>
             </a:r>
             <a:endParaRPr lang="cs-CZ" dirty="0"/>
           </a:p>
           <a:p>
             <a:pPr lvl="1"/>
+            <a:endParaRPr lang="cs-CZ" dirty="0"/>
+          </a:p>
+          <a:p>
+            <a:r>
+              <a:rPr lang="cs-CZ" b="1" dirty="0"/>
+              <a:t>B2B</a:t>
+            </a:r>
+          </a:p>
+          <a:p>
+            <a:pPr lvl="1"/>
             <a:r>
               <a:rPr lang="cs-CZ" dirty="0" err="1"/>
-              <a:t>Pet</a:t>
-            </a:r>
-            <a:r>
-              <a:rPr lang="cs-CZ" dirty="0"/>
-              <a:t> food </a:t>
-            </a:r>
-            <a:r>
-              <a:rPr lang="cs-CZ" dirty="0" err="1"/>
-              <a:t>sale</a:t>
+              <a:t>pet</a:t>
             </a:r>
             <a:r>
               <a:rPr lang="cs-CZ" dirty="0"/>
               <a:t> </a:t>
             </a:r>
+            <a:r>
+              <a:rPr lang="cs-CZ" dirty="0" err="1"/>
+              <a:t>shops</a:t>
+            </a:r>
+            <a:endParaRPr lang="cs-CZ" dirty="0"/>
           </a:p>
           <a:p>
             <a:pPr lvl="1"/>
+            <a:r>
+              <a:rPr lang="cs-CZ" dirty="0" err="1"/>
+              <a:t>Supermarkets</a:t>
+            </a:r>
             <a:endParaRPr lang="cs-CZ" dirty="0"/>
           </a:p>
           <a:p>
-            <a:r>
-              <a:rPr lang="cs-CZ" b="1" dirty="0" err="1"/>
-              <a:t>Supporting</a:t>
-            </a:r>
-            <a:endParaRPr lang="cs-CZ" b="1" dirty="0"/>
-          </a:p>
-          <a:p>
             <a:pPr lvl="1"/>
             <a:r>
-              <a:rPr lang="en-US" dirty="0"/>
-              <a:t>Pet food mixture production</a:t>
-            </a:r>
-            <a:r>
-              <a:rPr lang="cs-CZ" dirty="0"/>
-              <a:t>, </a:t>
-            </a:r>
-            <a:r>
-              <a:rPr lang="en-US" dirty="0"/>
-              <a:t>Packaging</a:t>
-            </a:r>
-            <a:r>
-              <a:rPr lang="cs-CZ" dirty="0"/>
-              <a:t>, </a:t>
-            </a:r>
-            <a:r>
-              <a:rPr lang="en-US" dirty="0"/>
-              <a:t>Ingredients order</a:t>
-            </a:r>
-            <a:r>
-              <a:rPr lang="cs-CZ" dirty="0"/>
-              <a:t>, </a:t>
-            </a:r>
-            <a:r>
-              <a:rPr lang="en-US" dirty="0"/>
-              <a:t>Supply management</a:t>
-            </a:r>
-            <a:r>
-              <a:rPr lang="cs-CZ" dirty="0"/>
-              <a:t>, </a:t>
-            </a:r>
-            <a:r>
-              <a:rPr lang="en-US" dirty="0"/>
-              <a:t>Warranty process</a:t>
-            </a:r>
-            <a:endParaRPr lang="cs-CZ" dirty="0"/>
-          </a:p>
-          <a:p>
-            <a:pPr lvl="1"/>
-            <a:endParaRPr lang="cs-CZ" dirty="0"/>
-          </a:p>
-          <a:p>
-            <a:r>
-              <a:rPr lang="cs-CZ" b="1" dirty="0" err="1"/>
-              <a:t>Outsourced</a:t>
+              <a:rPr lang="cs-CZ" dirty="0" err="1"/>
+              <a:t>veterinarians</a:t>
             </a:r>
             <a:r>
               <a:rPr lang="cs-CZ" dirty="0"/>
               <a:t> </a:t>
             </a:r>
-          </a:p>
-          <a:p>
-            <a:pPr lvl="1"/>
-            <a:r>
-              <a:rPr lang="en-US" dirty="0"/>
-              <a:t>Delivery</a:t>
-            </a:r>
-            <a:r>
-              <a:rPr lang="cs-CZ" dirty="0"/>
-              <a:t>, </a:t>
-            </a:r>
-            <a:r>
-              <a:rPr lang="en-US" dirty="0"/>
-              <a:t>Marketing</a:t>
-            </a:r>
-            <a:r>
-              <a:rPr lang="cs-CZ" dirty="0"/>
-              <a:t>, </a:t>
-            </a:r>
-            <a:r>
-              <a:rPr lang="en-US" dirty="0"/>
-              <a:t>Bookkeeping</a:t>
-            </a:r>
-            <a:r>
-              <a:rPr lang="cs-CZ" dirty="0"/>
-              <a:t>, </a:t>
-            </a:r>
-            <a:r>
-              <a:rPr lang="en-US" dirty="0"/>
-              <a:t>HR</a:t>
-            </a:r>
-            <a:r>
-              <a:rPr lang="cs-CZ" dirty="0"/>
-              <a:t>, </a:t>
-            </a:r>
-            <a:r>
-              <a:rPr lang="en-US" dirty="0"/>
-              <a:t>Research of customer needs</a:t>
-            </a:r>
-            <a:r>
-              <a:rPr lang="cs-CZ" dirty="0"/>
-              <a:t>, </a:t>
-            </a:r>
-            <a:r>
-              <a:rPr lang="en-US" dirty="0"/>
-              <a:t>Maintenance </a:t>
-            </a:r>
-            <a:r>
-              <a:rPr lang="cs-CZ" dirty="0"/>
-              <a:t> </a:t>
-            </a:r>
+            <a:endParaRPr lang="cs-CZ" b="1" dirty="0"/>
           </a:p>
         </p:txBody>
       </p:sp>
     </p:spTree>
     <p:extLst>
       <p:ext uri="{BB962C8B-B14F-4D97-AF65-F5344CB8AC3E}">
-        <p14:creationId xmlns:p14="http://schemas.microsoft.com/office/powerpoint/2010/main" val="2124948675"/>
+        <p14:creationId xmlns:p14="http://schemas.microsoft.com/office/powerpoint/2010/main" val="1466668357"/>
       </p:ext>
     </p:extLst>
   </p:cSld>
@@ -6454,7 +6676,7 @@
           <p:cNvPr id="2" name="Nadpis 1">
             <a:extLst>
               <a:ext uri="{FF2B5EF4-FFF2-40B4-BE49-F238E27FC236}">
-                <a16:creationId xmlns:a16="http://schemas.microsoft.com/office/drawing/2014/main" id="{79720833-30B5-4A70-9CA4-0B6244503641}"/>
+                <a16:creationId xmlns:a16="http://schemas.microsoft.com/office/drawing/2014/main" id="{2C7B81B3-EFB4-4908-A1CA-AAAA075236A7}"/>
               </a:ext>
             </a:extLst>
           </p:cNvPr>
@@ -6465,14 +6687,19 @@
             <p:ph type="title"/>
           </p:nvPr>
         </p:nvSpPr>
-        <p:spPr/>
+        <p:spPr>
+          <a:xfrm>
+            <a:off x="677334" y="609600"/>
+            <a:ext cx="8596668" cy="943992"/>
+          </a:xfrm>
+        </p:spPr>
         <p:txBody>
           <a:bodyPr/>
           <a:lstStyle/>
           <a:p>
             <a:r>
               <a:rPr lang="cs-CZ" dirty="0" err="1"/>
-              <a:t>Customers</a:t>
+              <a:t>Suppliers</a:t>
             </a:r>
             <a:endParaRPr lang="cs-CZ" dirty="0"/>
           </a:p>
@@ -6483,7 +6710,7 @@
           <p:cNvPr id="3" name="Zástupný obsah 2">
             <a:extLst>
               <a:ext uri="{FF2B5EF4-FFF2-40B4-BE49-F238E27FC236}">
-                <a16:creationId xmlns:a16="http://schemas.microsoft.com/office/drawing/2014/main" id="{858AEFD8-7937-4801-AB7A-783A14C3C693}"/>
+                <a16:creationId xmlns:a16="http://schemas.microsoft.com/office/drawing/2014/main" id="{0A9CDAE1-EAA2-4269-AC19-86765A6780FD}"/>
               </a:ext>
             </a:extLst>
           </p:cNvPr>
@@ -6494,76 +6721,93 @@
             <p:ph idx="1"/>
           </p:nvPr>
         </p:nvSpPr>
-        <p:spPr/>
-        <p:txBody>
-          <a:bodyPr/>
-          <a:lstStyle/>
-          <a:p>
-            <a:r>
-              <a:rPr lang="cs-CZ" b="1" dirty="0"/>
-              <a:t>B2C</a:t>
-            </a:r>
+        <p:spPr>
+          <a:xfrm>
+            <a:off x="677334" y="1553592"/>
+            <a:ext cx="8596668" cy="4384590"/>
+          </a:xfrm>
+        </p:spPr>
+        <p:txBody>
+          <a:bodyPr>
+            <a:normAutofit/>
+          </a:bodyPr>
+          <a:lstStyle/>
+          <a:p>
+            <a:r>
+              <a:rPr lang="cs-CZ" b="1" dirty="0" err="1"/>
+              <a:t>Products</a:t>
+            </a:r>
+            <a:endParaRPr lang="cs-CZ" b="1" dirty="0"/>
           </a:p>
           <a:p>
             <a:pPr lvl="1"/>
             <a:r>
               <a:rPr lang="en-US" dirty="0"/>
-              <a:t>Breeders of rodents and smaller mammals (e-shop) </a:t>
+              <a:t>Agricultural company (raw materials for the mixture)</a:t>
             </a:r>
             <a:endParaRPr lang="cs-CZ" dirty="0"/>
           </a:p>
           <a:p>
             <a:pPr lvl="1"/>
+            <a:r>
+              <a:rPr lang="en-US" dirty="0"/>
+              <a:t>Farmers</a:t>
+            </a:r>
             <a:endParaRPr lang="cs-CZ" dirty="0"/>
           </a:p>
           <a:p>
-            <a:r>
-              <a:rPr lang="cs-CZ" b="1" dirty="0"/>
-              <a:t>B2B</a:t>
-            </a:r>
-          </a:p>
-          <a:p>
             <a:pPr lvl="1"/>
             <a:r>
-              <a:rPr lang="cs-CZ" dirty="0" err="1"/>
-              <a:t>pet</a:t>
-            </a:r>
-            <a:r>
-              <a:rPr lang="cs-CZ" dirty="0"/>
-              <a:t> </a:t>
-            </a:r>
-            <a:r>
-              <a:rPr lang="cs-CZ" dirty="0" err="1"/>
-              <a:t>shops</a:t>
+              <a:rPr lang="en-US" dirty="0"/>
+              <a:t>Packaging company</a:t>
             </a:r>
             <a:endParaRPr lang="cs-CZ" dirty="0"/>
           </a:p>
           <a:p>
             <a:pPr lvl="1"/>
             <a:r>
-              <a:rPr lang="cs-CZ" dirty="0" err="1"/>
-              <a:t>Supermarkets</a:t>
+              <a:rPr lang="en-US" dirty="0"/>
+              <a:t>Pharmaceutical company</a:t>
             </a:r>
             <a:endParaRPr lang="cs-CZ" dirty="0"/>
           </a:p>
           <a:p>
+            <a:r>
+              <a:rPr lang="cs-CZ" b="1" dirty="0" err="1"/>
+              <a:t>Services</a:t>
+            </a:r>
+            <a:endParaRPr lang="cs-CZ" b="1" dirty="0"/>
+          </a:p>
+          <a:p>
             <a:pPr lvl="1"/>
             <a:r>
-              <a:rPr lang="cs-CZ" dirty="0" err="1"/>
-              <a:t>veterinarians</a:t>
-            </a:r>
-            <a:r>
-              <a:rPr lang="cs-CZ" dirty="0"/>
-              <a:t> </a:t>
-            </a:r>
-            <a:endParaRPr lang="cs-CZ" b="1" dirty="0"/>
+              <a:rPr lang="en-US" dirty="0"/>
+              <a:t>Delivery company</a:t>
+            </a:r>
+            <a:endParaRPr lang="cs-CZ" dirty="0"/>
+          </a:p>
+          <a:p>
+            <a:pPr lvl="1"/>
+            <a:r>
+              <a:rPr lang="en-US" dirty="0"/>
+              <a:t>Bookkeeping company</a:t>
+            </a:r>
+            <a:endParaRPr lang="cs-CZ" dirty="0"/>
+          </a:p>
+          <a:p>
+            <a:pPr lvl="1"/>
+            <a:r>
+              <a:rPr lang="en-US" dirty="0"/>
+              <a:t>Maintenance company </a:t>
+            </a:r>
+            <a:endParaRPr lang="cs-CZ" dirty="0"/>
           </a:p>
         </p:txBody>
       </p:sp>
     </p:spTree>
     <p:extLst>
       <p:ext uri="{BB962C8B-B14F-4D97-AF65-F5344CB8AC3E}">
-        <p14:creationId xmlns:p14="http://schemas.microsoft.com/office/powerpoint/2010/main" val="1466668357"/>
+        <p14:creationId xmlns:p14="http://schemas.microsoft.com/office/powerpoint/2010/main" val="2926481244"/>
       </p:ext>
     </p:extLst>
   </p:cSld>
@@ -6595,7 +6839,7 @@
           <p:cNvPr id="2" name="Nadpis 1">
             <a:extLst>
               <a:ext uri="{FF2B5EF4-FFF2-40B4-BE49-F238E27FC236}">
-                <a16:creationId xmlns:a16="http://schemas.microsoft.com/office/drawing/2014/main" id="{2C7B81B3-EFB4-4908-A1CA-AAAA075236A7}"/>
+                <a16:creationId xmlns:a16="http://schemas.microsoft.com/office/drawing/2014/main" id="{2856DD27-500F-429E-A1E3-0957836DE564}"/>
               </a:ext>
             </a:extLst>
           </p:cNvPr>
@@ -6613,18 +6857,29 @@
           <a:p>
             <a:r>
               <a:rPr lang="cs-CZ" dirty="0" err="1"/>
-              <a:t>Suppliers</a:t>
-            </a:r>
-            <a:endParaRPr lang="cs-CZ" dirty="0"/>
-          </a:p>
-        </p:txBody>
-      </p:sp>
-      <p:sp>
-        <p:nvSpPr>
-          <p:cNvPr id="3" name="Zástupný obsah 2">
+              <a:t>Global</a:t>
+            </a:r>
+            <a:r>
+              <a:rPr lang="cs-CZ" dirty="0"/>
+              <a:t> </a:t>
+            </a:r>
+            <a:r>
+              <a:rPr lang="cs-CZ" dirty="0" err="1"/>
+              <a:t>process</a:t>
+            </a:r>
+            <a:r>
+              <a:rPr lang="cs-CZ" dirty="0"/>
+              <a:t> map</a:t>
+            </a:r>
+          </a:p>
+        </p:txBody>
+      </p:sp>
+      <p:sp>
+        <p:nvSpPr>
+          <p:cNvPr id="7" name="Zástupný obsah 6">
             <a:extLst>
               <a:ext uri="{FF2B5EF4-FFF2-40B4-BE49-F238E27FC236}">
-                <a16:creationId xmlns:a16="http://schemas.microsoft.com/office/drawing/2014/main" id="{0A9CDAE1-EAA2-4269-AC19-86765A6780FD}"/>
+                <a16:creationId xmlns:a16="http://schemas.microsoft.com/office/drawing/2014/main" id="{ECF5EF6D-4EC6-4752-8CC3-738946286EDE}"/>
               </a:ext>
             </a:extLst>
           </p:cNvPr>
@@ -6635,108 +6890,22 @@
             <p:ph idx="1"/>
           </p:nvPr>
         </p:nvSpPr>
-        <p:spPr>
-          <a:xfrm>
-            <a:off x="677334" y="2160589"/>
-            <a:ext cx="8596668" cy="4384590"/>
-          </a:xfrm>
-        </p:spPr>
-        <p:txBody>
-          <a:bodyPr>
-            <a:normAutofit lnSpcReduction="10000"/>
-          </a:bodyPr>
-          <a:lstStyle/>
-          <a:p>
-            <a:r>
-              <a:rPr lang="cs-CZ" b="1" dirty="0" err="1"/>
-              <a:t>Products</a:t>
-            </a:r>
-            <a:endParaRPr lang="cs-CZ" b="1" dirty="0"/>
-          </a:p>
-          <a:p>
-            <a:pPr lvl="1"/>
-            <a:r>
-              <a:rPr lang="en-US" dirty="0"/>
-              <a:t>Agricultural company (raw materials for the mixture)</a:t>
-            </a:r>
-            <a:endParaRPr lang="cs-CZ" dirty="0"/>
-          </a:p>
-          <a:p>
-            <a:pPr lvl="1"/>
-            <a:r>
-              <a:rPr lang="en-US" dirty="0"/>
-              <a:t>Farmers</a:t>
-            </a:r>
-            <a:endParaRPr lang="cs-CZ" dirty="0"/>
-          </a:p>
-          <a:p>
-            <a:pPr lvl="1"/>
-            <a:r>
-              <a:rPr lang="en-US" dirty="0"/>
-              <a:t>Packaging company</a:t>
-            </a:r>
-            <a:endParaRPr lang="cs-CZ" dirty="0"/>
-          </a:p>
-          <a:p>
-            <a:pPr lvl="1"/>
-            <a:r>
-              <a:rPr lang="en-US" dirty="0"/>
-              <a:t>Pharmaceutical company</a:t>
-            </a:r>
-            <a:endParaRPr lang="cs-CZ" dirty="0"/>
-          </a:p>
-          <a:p>
-            <a:r>
-              <a:rPr lang="cs-CZ" b="1" dirty="0" err="1"/>
-              <a:t>Services</a:t>
-            </a:r>
-            <a:endParaRPr lang="cs-CZ" b="1" dirty="0"/>
-          </a:p>
-          <a:p>
-            <a:pPr lvl="1"/>
-            <a:r>
-              <a:rPr lang="en-US" dirty="0"/>
-              <a:t>Delivery company</a:t>
-            </a:r>
-            <a:endParaRPr lang="cs-CZ" dirty="0"/>
-          </a:p>
-          <a:p>
-            <a:pPr lvl="1"/>
-            <a:r>
-              <a:rPr lang="en-US" dirty="0"/>
-              <a:t>Marketing company</a:t>
-            </a:r>
-            <a:endParaRPr lang="cs-CZ" dirty="0"/>
-          </a:p>
-          <a:p>
-            <a:pPr lvl="1"/>
-            <a:r>
-              <a:rPr lang="en-US" dirty="0"/>
-              <a:t>Bookkeeping company</a:t>
-            </a:r>
-            <a:endParaRPr lang="cs-CZ" dirty="0"/>
-          </a:p>
-          <a:p>
-            <a:pPr lvl="1"/>
-            <a:r>
-              <a:rPr lang="en-US" dirty="0"/>
-              <a:t>HR company</a:t>
-            </a:r>
-            <a:endParaRPr lang="cs-CZ" dirty="0"/>
-          </a:p>
-          <a:p>
-            <a:pPr lvl="1"/>
-            <a:r>
-              <a:rPr lang="en-US" dirty="0"/>
-              <a:t>Research company</a:t>
-            </a:r>
-            <a:endParaRPr lang="cs-CZ" dirty="0"/>
-          </a:p>
-          <a:p>
-            <a:pPr lvl="1"/>
-            <a:r>
-              <a:rPr lang="en-US" dirty="0"/>
-              <a:t>Maintenance company </a:t>
+        <p:spPr/>
+        <p:txBody>
+          <a:bodyPr/>
+          <a:lstStyle/>
+          <a:p>
+            <a:r>
+              <a:rPr lang="cs-CZ" dirty="0" err="1">
+                <a:hlinkClick r:id="rId2" action="ppaction://hlinkfile"/>
+              </a:rPr>
+              <a:t>Process</a:t>
+            </a:r>
+            <a:r>
+              <a:rPr lang="cs-CZ">
+                <a:hlinkClick r:id="rId2" action="ppaction://hlinkfile"/>
+              </a:rPr>
+              <a:t> - step level</a:t>
             </a:r>
             <a:endParaRPr lang="cs-CZ" dirty="0"/>
           </a:p>
@@ -6745,7 +6914,7 @@
     </p:spTree>
     <p:extLst>
       <p:ext uri="{BB962C8B-B14F-4D97-AF65-F5344CB8AC3E}">
-        <p14:creationId xmlns:p14="http://schemas.microsoft.com/office/powerpoint/2010/main" val="2926481244"/>
+        <p14:creationId xmlns:p14="http://schemas.microsoft.com/office/powerpoint/2010/main" val="2377905259"/>
       </p:ext>
     </p:extLst>
   </p:cSld>
@@ -6777,7 +6946,7 @@
           <p:cNvPr id="2" name="Nadpis 1">
             <a:extLst>
               <a:ext uri="{FF2B5EF4-FFF2-40B4-BE49-F238E27FC236}">
-                <a16:creationId xmlns:a16="http://schemas.microsoft.com/office/drawing/2014/main" id="{2856DD27-500F-429E-A1E3-0957836DE564}"/>
+                <a16:creationId xmlns:a16="http://schemas.microsoft.com/office/drawing/2014/main" id="{05C791EC-6CDA-4ADA-AD17-1AFDB4E5A193}"/>
               </a:ext>
             </a:extLst>
           </p:cNvPr>
@@ -6795,29 +6964,21 @@
           <a:p>
             <a:r>
               <a:rPr lang="cs-CZ" dirty="0" err="1"/>
-              <a:t>Global</a:t>
+              <a:t>Class</a:t>
             </a:r>
             <a:r>
               <a:rPr lang="cs-CZ" dirty="0"/>
-              <a:t> </a:t>
-            </a:r>
-            <a:r>
-              <a:rPr lang="cs-CZ" dirty="0" err="1"/>
-              <a:t>process</a:t>
-            </a:r>
-            <a:r>
-              <a:rPr lang="cs-CZ" dirty="0"/>
-              <a:t> map</a:t>
-            </a:r>
-          </a:p>
-        </p:txBody>
-      </p:sp>
-      <p:sp>
-        <p:nvSpPr>
-          <p:cNvPr id="7" name="Zástupný obsah 6">
+              <a:t> diagram</a:t>
+            </a:r>
+          </a:p>
+        </p:txBody>
+      </p:sp>
+      <p:sp>
+        <p:nvSpPr>
+          <p:cNvPr id="3" name="Zástupný obsah 2">
             <a:extLst>
               <a:ext uri="{FF2B5EF4-FFF2-40B4-BE49-F238E27FC236}">
-                <a16:creationId xmlns:a16="http://schemas.microsoft.com/office/drawing/2014/main" id="{ECF5EF6D-4EC6-4752-8CC3-738946286EDE}"/>
+                <a16:creationId xmlns:a16="http://schemas.microsoft.com/office/drawing/2014/main" id="{782EC6C8-00A5-46D1-8058-02234E110102}"/>
               </a:ext>
             </a:extLst>
           </p:cNvPr>
@@ -6834,10 +6995,16 @@
           <a:lstStyle/>
           <a:p>
             <a:r>
+              <a:rPr lang="cs-CZ" dirty="0" err="1">
+                <a:hlinkClick r:id="rId2" action="ppaction://hlinkfile"/>
+              </a:rPr>
+              <a:t>Process</a:t>
+            </a:r>
+            <a:r>
               <a:rPr lang="cs-CZ" dirty="0">
                 <a:hlinkClick r:id="rId2" action="ppaction://hlinkfile"/>
               </a:rPr>
-              <a:t>link</a:t>
+              <a:t> - step level</a:t>
             </a:r>
             <a:endParaRPr lang="cs-CZ" dirty="0"/>
           </a:p>
@@ -6846,7 +7013,7 @@
     </p:spTree>
     <p:extLst>
       <p:ext uri="{BB962C8B-B14F-4D97-AF65-F5344CB8AC3E}">
-        <p14:creationId xmlns:p14="http://schemas.microsoft.com/office/powerpoint/2010/main" val="2377905259"/>
+        <p14:creationId xmlns:p14="http://schemas.microsoft.com/office/powerpoint/2010/main" val="321416090"/>
       </p:ext>
     </p:extLst>
   </p:cSld>
@@ -6878,7 +7045,7 @@
           <p:cNvPr id="2" name="Nadpis 1">
             <a:extLst>
               <a:ext uri="{FF2B5EF4-FFF2-40B4-BE49-F238E27FC236}">
-                <a16:creationId xmlns:a16="http://schemas.microsoft.com/office/drawing/2014/main" id="{05C791EC-6CDA-4ADA-AD17-1AFDB4E5A193}"/>
+                <a16:creationId xmlns:a16="http://schemas.microsoft.com/office/drawing/2014/main" id="{2F05914A-9ADF-4470-8132-04FB4DFF966B}"/>
               </a:ext>
             </a:extLst>
           </p:cNvPr>
@@ -6896,12 +7063,17 @@
           <a:p>
             <a:r>
               <a:rPr lang="cs-CZ" dirty="0" err="1"/>
-              <a:t>Class</a:t>
+              <a:t>Pet</a:t>
             </a:r>
             <a:r>
               <a:rPr lang="cs-CZ" dirty="0"/>
-              <a:t> diagram</a:t>
-            </a:r>
+              <a:t> food </a:t>
+            </a:r>
+            <a:r>
+              <a:rPr lang="cs-CZ" dirty="0" err="1"/>
+              <a:t>sale</a:t>
+            </a:r>
+            <a:endParaRPr lang="cs-CZ" dirty="0"/>
           </a:p>
         </p:txBody>
       </p:sp>
@@ -6910,7 +7082,7 @@
           <p:cNvPr id="3" name="Zástupný obsah 2">
             <a:extLst>
               <a:ext uri="{FF2B5EF4-FFF2-40B4-BE49-F238E27FC236}">
-                <a16:creationId xmlns:a16="http://schemas.microsoft.com/office/drawing/2014/main" id="{782EC6C8-00A5-46D1-8058-02234E110102}"/>
+                <a16:creationId xmlns:a16="http://schemas.microsoft.com/office/drawing/2014/main" id="{69628DAB-B142-434A-BE06-5CE728AC595E}"/>
               </a:ext>
             </a:extLst>
           </p:cNvPr>
@@ -6921,16 +7093,172 @@
             <p:ph idx="1"/>
           </p:nvPr>
         </p:nvSpPr>
+        <p:spPr>
+          <a:xfrm>
+            <a:off x="677334" y="1780674"/>
+            <a:ext cx="8596668" cy="4324857"/>
+          </a:xfrm>
+        </p:spPr>
+        <p:txBody>
+          <a:bodyPr/>
+          <a:lstStyle/>
+          <a:p>
+            <a:r>
+              <a:rPr lang="en-US" dirty="0">
+                <a:hlinkClick r:id="rId2" action="ppaction://hlinkfile"/>
+              </a:rPr>
+              <a:t>Process - step level</a:t>
+            </a:r>
+            <a:endParaRPr lang="cs-CZ" dirty="0"/>
+          </a:p>
+          <a:p>
+            <a:r>
+              <a:rPr lang="cs-CZ" dirty="0"/>
+              <a:t>Proces </a:t>
+            </a:r>
+            <a:r>
+              <a:rPr lang="cs-CZ" dirty="0" err="1"/>
+              <a:t>task</a:t>
+            </a:r>
+            <a:r>
+              <a:rPr lang="cs-CZ" dirty="0"/>
+              <a:t> level</a:t>
+            </a:r>
+          </a:p>
+          <a:p>
+            <a:pPr lvl="1"/>
+            <a:r>
+              <a:rPr lang="en-US" dirty="0">
+                <a:hlinkClick r:id="rId3" action="ppaction://hlinkfile"/>
+              </a:rPr>
+              <a:t>Pet food mixture ordered processing</a:t>
+            </a:r>
+            <a:endParaRPr lang="cs-CZ" dirty="0"/>
+          </a:p>
+          <a:p>
+            <a:pPr lvl="1"/>
+            <a:r>
+              <a:rPr lang="en-US" dirty="0">
+                <a:hlinkClick r:id="rId4" action="ppaction://hlinkfile"/>
+              </a:rPr>
+              <a:t>Pet food mixture order cancelling</a:t>
+            </a:r>
+            <a:endParaRPr lang="cs-CZ" dirty="0"/>
+          </a:p>
+          <a:p>
+            <a:pPr lvl="1"/>
+            <a:r>
+              <a:rPr lang="en-US" dirty="0">
+                <a:hlinkClick r:id="rId5" action="ppaction://hlinkfile"/>
+              </a:rPr>
+              <a:t>Pet food mixture order finishing</a:t>
+            </a:r>
+            <a:endParaRPr lang="cs-CZ" dirty="0"/>
+          </a:p>
+          <a:p>
+            <a:r>
+              <a:rPr lang="cs-CZ" dirty="0" err="1">
+                <a:hlinkClick r:id="rId6" action="ppaction://hlinkfile"/>
+              </a:rPr>
+              <a:t>Lifecycle</a:t>
+            </a:r>
+            <a:endParaRPr lang="cs-CZ" dirty="0"/>
+          </a:p>
+          <a:p>
+            <a:endParaRPr lang="cs-CZ" dirty="0"/>
+          </a:p>
+        </p:txBody>
+      </p:sp>
+    </p:spTree>
+    <p:extLst>
+      <p:ext uri="{BB962C8B-B14F-4D97-AF65-F5344CB8AC3E}">
+        <p14:creationId xmlns:p14="http://schemas.microsoft.com/office/powerpoint/2010/main" val="2941405169"/>
+      </p:ext>
+    </p:extLst>
+  </p:cSld>
+  <p:clrMapOvr>
+    <a:masterClrMapping/>
+  </p:clrMapOvr>
+</p:sld>
+</file>
+
+<file path=ppt/slides/slide9.xml><?xml version="1.0" encoding="utf-8"?>
+<p:sld xmlns:a="http://schemas.openxmlformats.org/drawingml/2006/main" xmlns:r="http://schemas.openxmlformats.org/officeDocument/2006/relationships" xmlns:p="http://schemas.openxmlformats.org/presentationml/2006/main">
+  <p:cSld>
+    <p:spTree>
+      <p:nvGrpSpPr>
+        <p:cNvPr id="1" name=""/>
+        <p:cNvGrpSpPr/>
+        <p:nvPr/>
+      </p:nvGrpSpPr>
+      <p:grpSpPr>
+        <a:xfrm>
+          <a:off x="0" y="0"/>
+          <a:ext cx="0" cy="0"/>
+          <a:chOff x="0" y="0"/>
+          <a:chExt cx="0" cy="0"/>
+        </a:xfrm>
+      </p:grpSpPr>
+      <p:sp>
+        <p:nvSpPr>
+          <p:cNvPr id="2" name="Nadpis 1">
+            <a:extLst>
+              <a:ext uri="{FF2B5EF4-FFF2-40B4-BE49-F238E27FC236}">
+                <a16:creationId xmlns:a16="http://schemas.microsoft.com/office/drawing/2014/main" id="{42A21D11-8D3A-42F8-BA7A-39E3F77A7F5A}"/>
+              </a:ext>
+            </a:extLst>
+          </p:cNvPr>
+          <p:cNvSpPr>
+            <a:spLocks noGrp="1"/>
+          </p:cNvSpPr>
+          <p:nvPr>
+            <p:ph type="title"/>
+          </p:nvPr>
+        </p:nvSpPr>
         <p:spPr/>
         <p:txBody>
           <a:bodyPr/>
           <a:lstStyle/>
           <a:p>
+            <a:r>
+              <a:rPr lang="cs-CZ" dirty="0"/>
+              <a:t>Supply management</a:t>
+            </a:r>
+          </a:p>
+        </p:txBody>
+      </p:sp>
+      <p:sp>
+        <p:nvSpPr>
+          <p:cNvPr id="3" name="Zástupný obsah 2">
+            <a:extLst>
+              <a:ext uri="{FF2B5EF4-FFF2-40B4-BE49-F238E27FC236}">
+                <a16:creationId xmlns:a16="http://schemas.microsoft.com/office/drawing/2014/main" id="{22BD0197-390A-4E79-AB2E-06FFC8284826}"/>
+              </a:ext>
+            </a:extLst>
+          </p:cNvPr>
+          <p:cNvSpPr>
+            <a:spLocks noGrp="1"/>
+          </p:cNvSpPr>
+          <p:nvPr>
+            <p:ph idx="1"/>
+          </p:nvPr>
+        </p:nvSpPr>
+        <p:spPr/>
+        <p:txBody>
+          <a:bodyPr/>
+          <a:lstStyle/>
+          <a:p>
+            <a:r>
+              <a:rPr lang="cs-CZ" dirty="0" err="1">
+                <a:hlinkClick r:id="rId2" action="ppaction://hlinkfile"/>
+              </a:rPr>
+              <a:t>Process</a:t>
+            </a:r>
             <a:r>
               <a:rPr lang="cs-CZ" dirty="0">
                 <a:hlinkClick r:id="rId2" action="ppaction://hlinkfile"/>
               </a:rPr>
-              <a:t>link</a:t>
+              <a:t> - Step level</a:t>
             </a:r>
             <a:endParaRPr lang="cs-CZ" dirty="0"/>
           </a:p>
@@ -6939,7 +7267,7 @@
     </p:spTree>
     <p:extLst>
       <p:ext uri="{BB962C8B-B14F-4D97-AF65-F5344CB8AC3E}">
-        <p14:creationId xmlns:p14="http://schemas.microsoft.com/office/powerpoint/2010/main" val="321416090"/>
+        <p14:creationId xmlns:p14="http://schemas.microsoft.com/office/powerpoint/2010/main" val="475073359"/>
       </p:ext>
     </p:extLst>
   </p:cSld>
